--- a/sprints/Sprint 6 - Nov 27 - Dec 3 - Planning.pptx
+++ b/sprints/Sprint 6 - Nov 27 - Dec 3 - Planning.pptx
@@ -6,15 +6,14 @@
     <p:sldMasterId id="2147483674" r:id="rId3"/>
   </p:sldMasterIdLst>
   <p:notesMasterIdLst>
-    <p:notesMasterId r:id="rId10"/>
+    <p:notesMasterId r:id="rId9"/>
   </p:notesMasterIdLst>
   <p:sldIdLst>
     <p:sldId id="257" r:id="rId4"/>
     <p:sldId id="270" r:id="rId5"/>
     <p:sldId id="271" r:id="rId6"/>
     <p:sldId id="272" r:id="rId7"/>
-    <p:sldId id="275" r:id="rId8"/>
-    <p:sldId id="276" r:id="rId9"/>
+    <p:sldId id="276" r:id="rId8"/>
   </p:sldIdLst>
   <p:sldSz cx="9144000" cy="6858000" type="screen4x3"/>
   <p:notesSz cx="6858000" cy="9144000"/>
@@ -198,7 +197,7 @@
           <a:p>
             <a:fld id="{68B00D8E-BD79-47BE-AA74-0D4716B611F1}" type="datetimeFigureOut">
               <a:rPr lang="en-US" smtClean="0"/>
-              <a:t>11/28/2016</a:t>
+              <a:t>12/13/2016</a:t>
             </a:fld>
             <a:endParaRPr lang="en-US"/>
           </a:p>
@@ -555,7 +554,7 @@
             <a:fld id="{81331B57-0BE5-4F82-AA58-76F53EFF3ADA}" type="datetime8">
               <a:rPr lang="en-US" smtClean="0"/>
               <a:pPr/>
-              <a:t>11/28/2016 8:34 PM</a:t>
+              <a:t>12/13/2016 4:59 PM</a:t>
             </a:fld>
             <a:endParaRPr lang="en-US" dirty="0"/>
           </a:p>
@@ -750,7 +749,7 @@
             <a:fld id="{81331B57-0BE5-4F82-AA58-76F53EFF3ADA}" type="datetime8">
               <a:rPr lang="en-US" smtClean="0"/>
               <a:pPr/>
-              <a:t>11/28/2016 8:34 PM</a:t>
+              <a:t>12/13/2016 4:59 PM</a:t>
             </a:fld>
             <a:endParaRPr lang="en-US"/>
           </a:p>
@@ -935,7 +934,7 @@
             <a:fld id="{81331B57-0BE5-4F82-AA58-76F53EFF3ADA}" type="datetime8">
               <a:rPr lang="en-US" smtClean="0"/>
               <a:pPr/>
-              <a:t>11/28/2016 8:34 PM</a:t>
+              <a:t>12/13/2016 4:59 PM</a:t>
             </a:fld>
             <a:endParaRPr lang="en-US"/>
           </a:p>
@@ -1120,7 +1119,7 @@
             <a:fld id="{81331B57-0BE5-4F82-AA58-76F53EFF3ADA}" type="datetime8">
               <a:rPr lang="en-US" smtClean="0"/>
               <a:pPr/>
-              <a:t>11/28/2016 8:34 PM</a:t>
+              <a:t>12/13/2016 4:59 PM</a:t>
             </a:fld>
             <a:endParaRPr lang="en-US"/>
           </a:p>
@@ -1305,7 +1304,7 @@
             <a:fld id="{81331B57-0BE5-4F82-AA58-76F53EFF3ADA}" type="datetime8">
               <a:rPr lang="en-US" smtClean="0"/>
               <a:pPr/>
-              <a:t>11/28/2016 8:34 PM</a:t>
+              <a:t>12/13/2016 4:59 PM</a:t>
             </a:fld>
             <a:endParaRPr lang="en-US"/>
           </a:p>
@@ -1390,191 +1389,6 @@
               <a:rPr lang="en-US" smtClean="0"/>
               <a:pPr/>
               <a:t>5</a:t>
-            </a:fld>
-            <a:endParaRPr lang="en-US" dirty="0"/>
-          </a:p>
-        </p:txBody>
-      </p:sp>
-    </p:spTree>
-  </p:cSld>
-  <p:clrMapOvr>
-    <a:masterClrMapping/>
-  </p:clrMapOvr>
-</p:notes>
-</file>
-
-<file path=ppt/notesSlides/notesSlide6.xml><?xml version="1.0" encoding="utf-8"?>
-<p:notes xmlns:a="http://schemas.openxmlformats.org/drawingml/2006/main" xmlns:r="http://schemas.openxmlformats.org/officeDocument/2006/relationships" xmlns:p="http://schemas.openxmlformats.org/presentationml/2006/main">
-  <p:cSld>
-    <p:spTree>
-      <p:nvGrpSpPr>
-        <p:cNvPr id="1" name=""/>
-        <p:cNvGrpSpPr/>
-        <p:nvPr/>
-      </p:nvGrpSpPr>
-      <p:grpSpPr>
-        <a:xfrm>
-          <a:off x="0" y="0"/>
-          <a:ext cx="0" cy="0"/>
-          <a:chOff x="0" y="0"/>
-          <a:chExt cx="0" cy="0"/>
-        </a:xfrm>
-      </p:grpSpPr>
-      <p:sp>
-        <p:nvSpPr>
-          <p:cNvPr id="2" name="Slide Image Placeholder 1"/>
-          <p:cNvSpPr>
-            <a:spLocks noGrp="1" noRot="1" noChangeAspect="1"/>
-          </p:cNvSpPr>
-          <p:nvPr>
-            <p:ph type="sldImg"/>
-          </p:nvPr>
-        </p:nvSpPr>
-        <p:spPr/>
-      </p:sp>
-      <p:sp>
-        <p:nvSpPr>
-          <p:cNvPr id="3" name="Notes Placeholder 2"/>
-          <p:cNvSpPr>
-            <a:spLocks noGrp="1"/>
-          </p:cNvSpPr>
-          <p:nvPr>
-            <p:ph type="body" idx="1"/>
-          </p:nvPr>
-        </p:nvSpPr>
-        <p:spPr/>
-        <p:txBody>
-          <a:bodyPr>
-            <a:normAutofit/>
-          </a:bodyPr>
-          <a:lstStyle/>
-          <a:p>
-            <a:endParaRPr lang="en-US"/>
-          </a:p>
-        </p:txBody>
-      </p:sp>
-      <p:sp>
-        <p:nvSpPr>
-          <p:cNvPr id="4" name="Header Placeholder 3"/>
-          <p:cNvSpPr>
-            <a:spLocks noGrp="1"/>
-          </p:cNvSpPr>
-          <p:nvPr>
-            <p:ph type="hdr" sz="quarter" idx="10"/>
-          </p:nvPr>
-        </p:nvSpPr>
-        <p:spPr/>
-        <p:txBody>
-          <a:bodyPr/>
-          <a:lstStyle/>
-          <a:p>
-            <a:endParaRPr lang="en-US" dirty="0"/>
-          </a:p>
-        </p:txBody>
-      </p:sp>
-      <p:sp>
-        <p:nvSpPr>
-          <p:cNvPr id="5" name="Date Placeholder 4"/>
-          <p:cNvSpPr>
-            <a:spLocks noGrp="1"/>
-          </p:cNvSpPr>
-          <p:nvPr>
-            <p:ph type="dt" idx="11"/>
-          </p:nvPr>
-        </p:nvSpPr>
-        <p:spPr/>
-        <p:txBody>
-          <a:bodyPr/>
-          <a:lstStyle/>
-          <a:p>
-            <a:fld id="{81331B57-0BE5-4F82-AA58-76F53EFF3ADA}" type="datetime8">
-              <a:rPr lang="en-US" smtClean="0"/>
-              <a:pPr/>
-              <a:t>11/28/2016 8:42 PM</a:t>
-            </a:fld>
-            <a:endParaRPr lang="en-US"/>
-          </a:p>
-        </p:txBody>
-      </p:sp>
-      <p:sp>
-        <p:nvSpPr>
-          <p:cNvPr id="6" name="Footer Placeholder 5"/>
-          <p:cNvSpPr>
-            <a:spLocks noGrp="1"/>
-          </p:cNvSpPr>
-          <p:nvPr>
-            <p:ph type="ftr" sz="quarter" idx="12"/>
-          </p:nvPr>
-        </p:nvSpPr>
-        <p:spPr/>
-        <p:txBody>
-          <a:bodyPr/>
-          <a:lstStyle/>
-          <a:p>
-            <a:r>
-              <a:rPr lang="en-US" dirty="0" smtClean="0">
-                <a:solidFill>
-                  <a:srgbClr val="000000"/>
-                </a:solidFill>
-                <a:latin typeface="Trebuchet MS" pitchFamily="34" charset="0"/>
-              </a:rPr>
-              <a:t>© 2007 Microsoft Corporation. All rights reserved. Microsoft, Windows, Windows Vista and other product names are or may be registered trademarks and/or trademarks in the U.S. and/or other countries.</a:t>
-            </a:r>
-          </a:p>
-          <a:p>
-            <a:r>
-              <a:rPr lang="en-US" dirty="0" smtClean="0">
-                <a:solidFill>
-                  <a:srgbClr val="000000"/>
-                </a:solidFill>
-                <a:latin typeface="Trebuchet MS" pitchFamily="34" charset="0"/>
-              </a:rPr>
-              <a:t>The information herein is for informational purposes only and represents the current view of Microsoft Corporation as of the date of this presentation.  Because Microsoft must respond to changing market conditions, it should not be interpreted to be a commitment on the part of Microsoft, and Microsoft cannot guarantee the accuracy of any information provided after the date of this presentation.  </a:t>
-            </a:r>
-            <a:br>
-              <a:rPr lang="en-US" dirty="0" smtClean="0">
-                <a:solidFill>
-                  <a:srgbClr val="000000"/>
-                </a:solidFill>
-                <a:latin typeface="Trebuchet MS" pitchFamily="34" charset="0"/>
-              </a:rPr>
-            </a:br>
-            <a:r>
-              <a:rPr lang="en-US" dirty="0" smtClean="0">
-                <a:solidFill>
-                  <a:srgbClr val="000000"/>
-                </a:solidFill>
-                <a:latin typeface="Trebuchet MS" pitchFamily="34" charset="0"/>
-              </a:rPr>
-              <a:t>MICROSOFT MAKES NO WARRANTIES, EXPRESS, IMPLIED OR STATUTORY, AS TO THE INFORMATION IN THIS PRESENTATION.</a:t>
-            </a:r>
-          </a:p>
-          <a:p>
-            <a:endParaRPr lang="en-US" dirty="0">
-              <a:latin typeface="Trebuchet MS" pitchFamily="34" charset="0"/>
-            </a:endParaRPr>
-          </a:p>
-        </p:txBody>
-      </p:sp>
-      <p:sp>
-        <p:nvSpPr>
-          <p:cNvPr id="7" name="Slide Number Placeholder 6"/>
-          <p:cNvSpPr>
-            <a:spLocks noGrp="1"/>
-          </p:cNvSpPr>
-          <p:nvPr>
-            <p:ph type="sldNum" sz="quarter" idx="13"/>
-          </p:nvPr>
-        </p:nvSpPr>
-        <p:spPr/>
-        <p:txBody>
-          <a:bodyPr/>
-          <a:lstStyle/>
-          <a:p>
-            <a:fld id="{EC87E0CF-87F6-4B58-B8B8-DCAB2DAAF3CA}" type="slidenum">
-              <a:rPr lang="en-US" smtClean="0"/>
-              <a:pPr/>
-              <a:t>6</a:t>
             </a:fld>
             <a:endParaRPr lang="en-US" dirty="0"/>
           </a:p>
@@ -4801,34 +4615,14 @@
             </a:r>
             <a:r>
               <a:rPr lang="en-US" dirty="0" smtClean="0"/>
-              <a:t> – Sprint </a:t>
-            </a:r>
-            <a:r>
-              <a:rPr lang="en-US" dirty="0" smtClean="0"/>
-              <a:t>6 </a:t>
-            </a:r>
-            <a:r>
-              <a:rPr lang="en-US" dirty="0" smtClean="0"/>
-              <a:t>Planning</a:t>
+              <a:t> – Sprint 6 Planning</a:t>
             </a:r>
             <a:br>
               <a:rPr lang="en-US" dirty="0" smtClean="0"/>
             </a:br>
             <a:r>
               <a:rPr lang="en-US" dirty="0" smtClean="0"/>
-              <a:t>Nov. </a:t>
-            </a:r>
-            <a:r>
-              <a:rPr lang="en-US" dirty="0" smtClean="0"/>
-              <a:t>27 </a:t>
-            </a:r>
-            <a:r>
-              <a:rPr lang="en-US" dirty="0" smtClean="0"/>
-              <a:t>– </a:t>
-            </a:r>
-            <a:r>
-              <a:rPr lang="en-US" dirty="0" smtClean="0"/>
-              <a:t>Dec. 3</a:t>
+              <a:t>Nov. 27 – Dec. 3</a:t>
             </a:r>
             <a:endParaRPr lang="en-US" dirty="0"/>
           </a:p>
@@ -4949,7 +4743,7 @@
         <p:spPr>
           <a:xfrm>
             <a:off x="381000" y="990600"/>
-            <a:ext cx="8382000" cy="6303264"/>
+            <a:ext cx="8382000" cy="4776692"/>
           </a:xfrm>
         </p:spPr>
         <p:txBody>
@@ -4968,7 +4762,7 @@
                   </a:schemeClr>
                 </a:solidFill>
               </a:rPr>
-              <a:t>(2 story pts)</a:t>
+              <a:t>(1 story pts)</a:t>
             </a:r>
           </a:p>
           <a:p>
@@ -4980,7 +4774,7 @@
           <a:p>
             <a:r>
               <a:rPr lang="en-US" dirty="0" smtClean="0"/>
-              <a:t>Add Where/Sort </a:t>
+              <a:t>Add Where Clause </a:t>
             </a:r>
             <a:r>
               <a:rPr lang="en-US" dirty="0" smtClean="0">
@@ -4990,49 +4784,7 @@
                   </a:schemeClr>
                 </a:solidFill>
               </a:rPr>
-              <a:t>(3 </a:t>
-            </a:r>
-            <a:r>
-              <a:rPr lang="en-US" dirty="0" smtClean="0">
-                <a:solidFill>
-                  <a:schemeClr val="tx1">
-                    <a:lumMod val="65000"/>
-                  </a:schemeClr>
-                </a:solidFill>
-              </a:rPr>
-              <a:t>story pts)</a:t>
-            </a:r>
-          </a:p>
-          <a:p>
-            <a:pPr marL="0" indent="0">
-              <a:buNone/>
-            </a:pPr>
-            <a:endParaRPr lang="en-US" dirty="0" smtClean="0"/>
-          </a:p>
-          <a:p>
-            <a:r>
-              <a:rPr lang="en-US" dirty="0" smtClean="0"/>
-              <a:t>Continue Web Server Interface for current packages </a:t>
-            </a:r>
-            <a:r>
-              <a:rPr lang="en-US" dirty="0" smtClean="0">
-                <a:solidFill>
-                  <a:schemeClr val="tx1">
-                    <a:lumMod val="65000"/>
-                  </a:schemeClr>
-                </a:solidFill>
-              </a:rPr>
-              <a:t>(2 story pts</a:t>
-            </a:r>
-            <a:r>
-              <a:rPr lang="en-US" dirty="0" smtClean="0">
-                <a:solidFill>
-                  <a:schemeClr val="tx1">
-                    <a:lumMod val="65000"/>
-                  </a:schemeClr>
-                </a:solidFill>
-              </a:rPr>
-              <a:t>)</a:t>
+              <a:t>(2 story pts) </a:t>
             </a:r>
           </a:p>
           <a:p>
@@ -5060,7 +4812,7 @@
                   </a:schemeClr>
                 </a:solidFill>
               </a:rPr>
-              <a:t> (1 story </a:t>
+              <a:t> (2 story </a:t>
             </a:r>
             <a:r>
               <a:rPr lang="en-US" dirty="0" err="1" smtClean="0">
@@ -5082,13 +4834,6 @@
               </a:rPr>
               <a:t>)</a:t>
             </a:r>
-            <a:endParaRPr lang="en-US" dirty="0" smtClean="0">
-              <a:solidFill>
-                <a:schemeClr val="tx1">
-                  <a:lumMod val="65000"/>
-                </a:schemeClr>
-              </a:solidFill>
-            </a:endParaRPr>
           </a:p>
           <a:p>
             <a:pPr marL="0" indent="0">
@@ -5118,14 +4863,14 @@
               <a:t>: </a:t>
             </a:r>
             <a:r>
-              <a:rPr lang="en-US" dirty="0">
+              <a:rPr lang="en-US" smtClean="0">
                 <a:solidFill>
                   <a:schemeClr val="tx1">
                     <a:lumMod val="65000"/>
                   </a:schemeClr>
                 </a:solidFill>
               </a:rPr>
-              <a:t>8</a:t>
+              <a:t>5</a:t>
             </a:r>
             <a:endParaRPr lang="en-US" dirty="0" smtClean="0">
               <a:solidFill>
@@ -5228,7 +4973,7 @@
           <a:p>
             <a:r>
               <a:rPr lang="en-US" dirty="0" smtClean="0"/>
-              <a:t>Handle UNICODE characters for strings</a:t>
+              <a:t>Document undocumented packages</a:t>
             </a:r>
           </a:p>
           <a:p>
@@ -5241,15 +4986,27 @@
             <a:pPr lvl="1"/>
             <a:r>
               <a:rPr lang="en-US" dirty="0" smtClean="0"/>
-              <a:t>Binary Fixed Record Store (2byte chars)</a:t>
+              <a:t>Storage </a:t>
             </a:r>
           </a:p>
           <a:p>
             <a:pPr lvl="1"/>
             <a:r>
+              <a:rPr lang="en-US" dirty="0" err="1" smtClean="0"/>
+              <a:t>DataStore</a:t>
+            </a:r>
+            <a:r>
               <a:rPr lang="en-US" dirty="0" smtClean="0"/>
-              <a:t>JSON/CSV save as UTF-8 formats</a:t>
-            </a:r>
+              <a:t> </a:t>
+            </a:r>
+            <a:endParaRPr lang="en-US" dirty="0" smtClean="0">
+              <a:solidFill>
+                <a:schemeClr val="bg1">
+                  <a:lumMod val="65000"/>
+                  <a:lumOff val="35000"/>
+                </a:schemeClr>
+              </a:solidFill>
+            </a:endParaRPr>
           </a:p>
           <a:p>
             <a:pPr marL="517525" lvl="1" indent="0">
@@ -5412,7 +5169,6 @@
               <a:rPr lang="en-US" dirty="0" smtClean="0"/>
               <a:t>Quick Sort</a:t>
             </a:r>
-            <a:endParaRPr lang="en-US" dirty="0" smtClean="0"/>
           </a:p>
         </p:txBody>
       </p:sp>
@@ -5478,7 +5234,7 @@
           <a:p>
             <a:r>
               <a:rPr lang="en-US" dirty="0" smtClean="0"/>
-              <a:t>Expand Web Server support</a:t>
+              <a:t>Add Command Line Interface</a:t>
             </a:r>
             <a:endParaRPr lang="en-US" dirty="0"/>
           </a:p>
@@ -5497,7 +5253,7 @@
         <p:spPr>
           <a:xfrm>
             <a:off x="381000" y="1828800"/>
-            <a:ext cx="8382000" cy="1391150"/>
+            <a:ext cx="8382000" cy="1865126"/>
           </a:xfrm>
         </p:spPr>
         <p:txBody>
@@ -5506,156 +5262,37 @@
           <a:p>
             <a:r>
               <a:rPr lang="en-US" dirty="0" smtClean="0"/>
-              <a:t>Complete Web Server for </a:t>
+              <a:t>Add command line utility</a:t>
+            </a:r>
+          </a:p>
+          <a:p>
+            <a:pPr lvl="1"/>
+            <a:r>
+              <a:rPr lang="en-US" dirty="0" smtClean="0"/>
+              <a:t>Command Option Parsing</a:t>
+            </a:r>
+          </a:p>
+          <a:p>
+            <a:pPr lvl="1"/>
+            <a:r>
+              <a:rPr lang="en-US" dirty="0" smtClean="0"/>
+              <a:t>Create/List Collections</a:t>
+            </a:r>
+          </a:p>
+          <a:p>
+            <a:pPr lvl="1"/>
+            <a:r>
+              <a:rPr lang="en-US" dirty="0" smtClean="0"/>
+              <a:t>Set </a:t>
             </a:r>
             <a:r>
               <a:rPr lang="en-US" dirty="0" err="1" smtClean="0"/>
               <a:t>DataStore</a:t>
             </a:r>
-            <a:endParaRPr lang="en-US" dirty="0" smtClean="0"/>
-          </a:p>
-          <a:p>
-            <a:pPr lvl="1"/>
             <a:r>
               <a:rPr lang="en-US" dirty="0" smtClean="0"/>
-              <a:t>Code</a:t>
-            </a:r>
-          </a:p>
-          <a:p>
-            <a:pPr lvl="1"/>
-            <a:r>
-              <a:rPr lang="en-US" dirty="0" smtClean="0"/>
-              <a:t>README.md documentation</a:t>
-            </a:r>
-            <a:endParaRPr lang="en-US" dirty="0" smtClean="0"/>
-          </a:p>
-        </p:txBody>
-      </p:sp>
-    </p:spTree>
-    <p:extLst>
-      <p:ext uri="{BB962C8B-B14F-4D97-AF65-F5344CB8AC3E}">
-        <p14:creationId xmlns:p14="http://schemas.microsoft.com/office/powerpoint/2010/main" val="445601061"/>
-      </p:ext>
-    </p:extLst>
-  </p:cSld>
-  <p:clrMapOvr>
-    <a:masterClrMapping/>
-  </p:clrMapOvr>
-  <p:transition>
-    <p:fade/>
-  </p:transition>
-  <p:timing>
-    <p:tnLst>
-      <p:par>
-        <p:cTn id="1" dur="indefinite" restart="never" nodeType="tmRoot"/>
-      </p:par>
-    </p:tnLst>
-  </p:timing>
-</p:sld>
-</file>
-
-<file path=ppt/slides/slide6.xml><?xml version="1.0" encoding="utf-8"?>
-<p:sld xmlns:a="http://schemas.openxmlformats.org/drawingml/2006/main" xmlns:r="http://schemas.openxmlformats.org/officeDocument/2006/relationships" xmlns:p="http://schemas.openxmlformats.org/presentationml/2006/main">
-  <p:cSld>
-    <p:spTree>
-      <p:nvGrpSpPr>
-        <p:cNvPr id="1" name=""/>
-        <p:cNvGrpSpPr/>
-        <p:nvPr/>
-      </p:nvGrpSpPr>
-      <p:grpSpPr>
-        <a:xfrm>
-          <a:off x="0" y="0"/>
-          <a:ext cx="0" cy="0"/>
-          <a:chOff x="0" y="0"/>
-          <a:chExt cx="0" cy="0"/>
-        </a:xfrm>
-      </p:grpSpPr>
-      <p:sp>
-        <p:nvSpPr>
-          <p:cNvPr id="2" name="Title 1"/>
-          <p:cNvSpPr>
-            <a:spLocks noGrp="1"/>
-          </p:cNvSpPr>
-          <p:nvPr>
-            <p:ph type="title"/>
-          </p:nvPr>
-        </p:nvSpPr>
-        <p:spPr>
-          <a:xfrm>
-            <a:off x="381000" y="230188"/>
-            <a:ext cx="8382000" cy="664797"/>
-          </a:xfrm>
-        </p:spPr>
-        <p:txBody>
-          <a:bodyPr/>
-          <a:lstStyle/>
-          <a:p>
-            <a:r>
-              <a:rPr lang="en-US" dirty="0" smtClean="0"/>
-              <a:t>Add Command Line Interface</a:t>
-            </a:r>
-            <a:endParaRPr lang="en-US" dirty="0"/>
-          </a:p>
-        </p:txBody>
-      </p:sp>
-      <p:sp>
-        <p:nvSpPr>
-          <p:cNvPr id="3" name="Text Placeholder 2"/>
-          <p:cNvSpPr>
-            <a:spLocks noGrp="1"/>
-          </p:cNvSpPr>
-          <p:nvPr>
-            <p:ph type="body" sz="quarter" idx="10"/>
-          </p:nvPr>
-        </p:nvSpPr>
-        <p:spPr>
-          <a:xfrm>
-            <a:off x="381000" y="1828800"/>
-            <a:ext cx="8382000" cy="2339102"/>
-          </a:xfrm>
-        </p:spPr>
-        <p:txBody>
-          <a:bodyPr/>
-          <a:lstStyle/>
-          <a:p>
-            <a:r>
-              <a:rPr lang="en-US" dirty="0" smtClean="0"/>
-              <a:t>Add command line utility</a:t>
-            </a:r>
-          </a:p>
-          <a:p>
-            <a:pPr lvl="1"/>
-            <a:r>
-              <a:rPr lang="en-US" dirty="0" smtClean="0"/>
-              <a:t>Insert</a:t>
-            </a:r>
-          </a:p>
-          <a:p>
-            <a:pPr lvl="1"/>
-            <a:r>
-              <a:rPr lang="en-US" dirty="0" smtClean="0"/>
-              <a:t>Select</a:t>
-            </a:r>
-          </a:p>
-          <a:p>
-            <a:pPr lvl="1"/>
-            <a:r>
-              <a:rPr lang="en-US" dirty="0" smtClean="0"/>
-              <a:t>Where / Sort</a:t>
-            </a:r>
-          </a:p>
-          <a:p>
-            <a:pPr lvl="1"/>
-            <a:r>
-              <a:rPr lang="en-US" dirty="0" err="1" smtClean="0"/>
-              <a:t>Datastore</a:t>
-            </a:r>
-            <a:r>
-              <a:rPr lang="en-US" dirty="0" smtClean="0"/>
-              <a:t> / Input settings</a:t>
-            </a:r>
-            <a:endParaRPr lang="en-US" dirty="0" smtClean="0"/>
+              <a:t>/Storage Type Settings</a:t>
+            </a:r>
           </a:p>
         </p:txBody>
       </p:sp>
